--- a/Reports/MTB Data Analysis Presentation.pptx
+++ b/Reports/MTB Data Analysis Presentation.pptx
@@ -7,6 +7,9 @@
   <p:notesMasterIdLst>
     <p:notesMasterId r:id="rId29"/>
   </p:notesMasterIdLst>
+  <p:handoutMasterIdLst>
+    <p:handoutMasterId r:id="rId30"/>
+  </p:handoutMasterIdLst>
   <p:sldIdLst>
     <p:sldId id="256" r:id="rId2"/>
     <p:sldId id="288" r:id="rId3"/>
@@ -358,10 +361,6 @@
             <p14:sldId id="261"/>
             <p14:sldId id="262"/>
             <p14:sldId id="263"/>
-          </p14:sldIdLst>
-        </p14:section>
-        <p14:section name="Project Overview" id="{074B0B29-DDE9-7F4C-8FDF-25D62022B322}">
-          <p14:sldIdLst>
             <p14:sldId id="264"/>
           </p14:sldIdLst>
         </p14:section>
@@ -398,6 +397,195 @@
     </p:ext>
   </p:extLst>
 </p:presentation>
+</file>
+
+<file path=ppt/handoutMasters/handoutMaster1.xml><?xml version="1.0" encoding="utf-8"?>
+<p:handoutMaster xmlns:a="http://schemas.openxmlformats.org/drawingml/2006/main" xmlns:r="http://schemas.openxmlformats.org/officeDocument/2006/relationships" xmlns:p="http://schemas.openxmlformats.org/presentationml/2006/main">
+  <p:cSld>
+    <p:bg>
+      <p:bgRef idx="1001">
+        <a:schemeClr val="bg1"/>
+      </p:bgRef>
+    </p:bg>
+    <p:spTree>
+      <p:nvGrpSpPr>
+        <p:cNvPr id="1" name=""/>
+        <p:cNvGrpSpPr/>
+        <p:nvPr/>
+      </p:nvGrpSpPr>
+      <p:grpSpPr>
+        <a:xfrm>
+          <a:off x="0" y="0"/>
+          <a:ext cx="0" cy="0"/>
+          <a:chOff x="0" y="0"/>
+          <a:chExt cx="0" cy="0"/>
+        </a:xfrm>
+      </p:grpSpPr>
+      <p:sp>
+        <p:nvSpPr>
+          <p:cNvPr id="2" name="Header Placeholder 1">
+            <a:extLst>
+              <a:ext uri="{FF2B5EF4-FFF2-40B4-BE49-F238E27FC236}">
+                <a16:creationId xmlns:a16="http://schemas.microsoft.com/office/drawing/2014/main" id="{8EC143AC-F329-C946-AD57-C95298527D1E}"/>
+              </a:ext>
+            </a:extLst>
+          </p:cNvPr>
+          <p:cNvSpPr>
+            <a:spLocks noGrp="1"/>
+          </p:cNvSpPr>
+          <p:nvPr>
+            <p:ph type="hdr" sz="quarter"/>
+          </p:nvPr>
+        </p:nvSpPr>
+        <p:spPr>
+          <a:xfrm>
+            <a:off x="0" y="0"/>
+            <a:ext cx="2971800" cy="458788"/>
+          </a:xfrm>
+          <a:prstGeom prst="rect">
+            <a:avLst/>
+          </a:prstGeom>
+        </p:spPr>
+        <p:txBody>
+          <a:bodyPr vert="horz" lIns="91440" tIns="45720" rIns="91440" bIns="45720" rtlCol="0"/>
+          <a:lstStyle>
+            <a:lvl1pPr algn="l">
+              <a:defRPr sz="1200"/>
+            </a:lvl1pPr>
+          </a:lstStyle>
+          <a:p>
+            <a:endParaRPr lang="en-US"/>
+          </a:p>
+        </p:txBody>
+      </p:sp>
+      <p:sp>
+        <p:nvSpPr>
+          <p:cNvPr id="3" name="Date Placeholder 2">
+            <a:extLst>
+              <a:ext uri="{FF2B5EF4-FFF2-40B4-BE49-F238E27FC236}">
+                <a16:creationId xmlns:a16="http://schemas.microsoft.com/office/drawing/2014/main" id="{1C4F5AC3-8E14-9E4D-85EB-318CBF677728}"/>
+              </a:ext>
+            </a:extLst>
+          </p:cNvPr>
+          <p:cNvSpPr>
+            <a:spLocks noGrp="1"/>
+          </p:cNvSpPr>
+          <p:nvPr>
+            <p:ph type="dt" sz="quarter" idx="1"/>
+          </p:nvPr>
+        </p:nvSpPr>
+        <p:spPr>
+          <a:xfrm>
+            <a:off x="3884613" y="0"/>
+            <a:ext cx="2971800" cy="458788"/>
+          </a:xfrm>
+          <a:prstGeom prst="rect">
+            <a:avLst/>
+          </a:prstGeom>
+        </p:spPr>
+        <p:txBody>
+          <a:bodyPr vert="horz" lIns="91440" tIns="45720" rIns="91440" bIns="45720" rtlCol="0"/>
+          <a:lstStyle>
+            <a:lvl1pPr algn="r">
+              <a:defRPr sz="1200"/>
+            </a:lvl1pPr>
+          </a:lstStyle>
+          <a:p>
+            <a:fld id="{C9EA1FED-3296-C24D-BD81-6F2AF1619402}" type="datetimeFigureOut">
+              <a:rPr lang="en-US" smtClean="0"/>
+              <a:t>4/10/22</a:t>
+            </a:fld>
+            <a:endParaRPr lang="en-US"/>
+          </a:p>
+        </p:txBody>
+      </p:sp>
+      <p:sp>
+        <p:nvSpPr>
+          <p:cNvPr id="4" name="Footer Placeholder 3">
+            <a:extLst>
+              <a:ext uri="{FF2B5EF4-FFF2-40B4-BE49-F238E27FC236}">
+                <a16:creationId xmlns:a16="http://schemas.microsoft.com/office/drawing/2014/main" id="{1B41180B-FBAD-3249-8B30-6D4EEF9962D3}"/>
+              </a:ext>
+            </a:extLst>
+          </p:cNvPr>
+          <p:cNvSpPr>
+            <a:spLocks noGrp="1"/>
+          </p:cNvSpPr>
+          <p:nvPr>
+            <p:ph type="ftr" sz="quarter" idx="2"/>
+          </p:nvPr>
+        </p:nvSpPr>
+        <p:spPr>
+          <a:xfrm>
+            <a:off x="0" y="8685213"/>
+            <a:ext cx="2971800" cy="458787"/>
+          </a:xfrm>
+          <a:prstGeom prst="rect">
+            <a:avLst/>
+          </a:prstGeom>
+        </p:spPr>
+        <p:txBody>
+          <a:bodyPr vert="horz" lIns="91440" tIns="45720" rIns="91440" bIns="45720" rtlCol="0" anchor="b"/>
+          <a:lstStyle>
+            <a:lvl1pPr algn="l">
+              <a:defRPr sz="1200"/>
+            </a:lvl1pPr>
+          </a:lstStyle>
+          <a:p>
+            <a:endParaRPr lang="en-US"/>
+          </a:p>
+        </p:txBody>
+      </p:sp>
+      <p:sp>
+        <p:nvSpPr>
+          <p:cNvPr id="5" name="Slide Number Placeholder 4">
+            <a:extLst>
+              <a:ext uri="{FF2B5EF4-FFF2-40B4-BE49-F238E27FC236}">
+                <a16:creationId xmlns:a16="http://schemas.microsoft.com/office/drawing/2014/main" id="{835E00E2-AF49-D84C-9B3F-B3E167D84026}"/>
+              </a:ext>
+            </a:extLst>
+          </p:cNvPr>
+          <p:cNvSpPr>
+            <a:spLocks noGrp="1"/>
+          </p:cNvSpPr>
+          <p:nvPr>
+            <p:ph type="sldNum" sz="quarter" idx="3"/>
+          </p:nvPr>
+        </p:nvSpPr>
+        <p:spPr>
+          <a:xfrm>
+            <a:off x="3884613" y="8685213"/>
+            <a:ext cx="2971800" cy="458787"/>
+          </a:xfrm>
+          <a:prstGeom prst="rect">
+            <a:avLst/>
+          </a:prstGeom>
+        </p:spPr>
+        <p:txBody>
+          <a:bodyPr vert="horz" lIns="91440" tIns="45720" rIns="91440" bIns="45720" rtlCol="0" anchor="b"/>
+          <a:lstStyle>
+            <a:lvl1pPr algn="r">
+              <a:defRPr sz="1200"/>
+            </a:lvl1pPr>
+          </a:lstStyle>
+          <a:p>
+            <a:fld id="{8C148EFB-057E-DD48-B774-4D7B500E0E30}" type="slidenum">
+              <a:rPr lang="en-US" smtClean="0"/>
+              <a:t>‹#›</a:t>
+            </a:fld>
+            <a:endParaRPr lang="en-US"/>
+          </a:p>
+        </p:txBody>
+      </p:sp>
+    </p:spTree>
+    <p:extLst>
+      <p:ext uri="{BB962C8B-B14F-4D97-AF65-F5344CB8AC3E}">
+        <p14:creationId xmlns:p14="http://schemas.microsoft.com/office/powerpoint/2010/main" val="4251145532"/>
+      </p:ext>
+    </p:extLst>
+  </p:cSld>
+  <p:clrMap bg1="lt1" tx1="dk1" bg2="lt2" tx2="dk2" accent1="accent1" accent2="accent2" accent3="accent3" accent4="accent4" accent5="accent5" accent6="accent6" hlink="hlink" folHlink="folHlink"/>
+</p:handoutMaster>
 </file>
 
 <file path=ppt/notesMasters/notesMaster1.xml><?xml version="1.0" encoding="utf-8"?>
@@ -13318,34 +13506,6 @@
           </a:p>
         </p:txBody>
       </p:sp>
-      <p:pic>
-        <p:nvPicPr>
-          <p:cNvPr id="383" name="pca.jpg" descr="pca.jpg"/>
-          <p:cNvPicPr>
-            <a:picLocks noChangeAspect="1"/>
-          </p:cNvPicPr>
-          <p:nvPr/>
-        </p:nvPicPr>
-        <p:blipFill>
-          <a:blip r:embed="rId2"/>
-          <a:srcRect t="17594" b="15848"/>
-          <a:stretch>
-            <a:fillRect/>
-          </a:stretch>
-        </p:blipFill>
-        <p:spPr>
-          <a:xfrm>
-            <a:off x="5585819" y="1400373"/>
-            <a:ext cx="6096001" cy="4057273"/>
-          </a:xfrm>
-          <a:prstGeom prst="rect">
-            <a:avLst/>
-          </a:prstGeom>
-          <a:ln w="12700">
-            <a:miter lim="400000"/>
-          </a:ln>
-        </p:spPr>
-      </p:pic>
       <p:sp>
         <p:nvSpPr>
           <p:cNvPr id="2" name="Slide Number Placeholder 1">
@@ -13987,13 +14147,13 @@
           <p:nvPr/>
         </p:nvPicPr>
         <p:blipFill>
-          <a:blip r:embed="rId3" cstate="print">
+          <a:blip r:embed="rId2" cstate="print">
             <a:extLst>
               <a:ext uri="{28A0092B-C50C-407E-A947-70E740481C1C}">
                 <a14:useLocalDpi xmlns:a14="http://schemas.microsoft.com/office/drawing/2010/main" val="0"/>
               </a:ext>
               <a:ext uri="{96DAC541-7B7A-43D3-8B79-37D633B846F1}">
-                <asvg:svgBlip xmlns:asvg="http://schemas.microsoft.com/office/drawing/2016/SVG/main" r:embed="rId4"/>
+                <asvg:svgBlip xmlns:asvg="http://schemas.microsoft.com/office/drawing/2016/SVG/main" r:embed="rId3"/>
               </a:ext>
             </a:extLst>
           </a:blip>
@@ -14026,13 +14186,13 @@
           <p:nvPr/>
         </p:nvPicPr>
         <p:blipFill>
-          <a:blip r:embed="rId5" cstate="print">
+          <a:blip r:embed="rId4" cstate="print">
             <a:extLst>
               <a:ext uri="{28A0092B-C50C-407E-A947-70E740481C1C}">
                 <a14:useLocalDpi xmlns:a14="http://schemas.microsoft.com/office/drawing/2010/main" val="0"/>
               </a:ext>
               <a:ext uri="{96DAC541-7B7A-43D3-8B79-37D633B846F1}">
-                <asvg:svgBlip xmlns:asvg="http://schemas.microsoft.com/office/drawing/2016/SVG/main" r:embed="rId6"/>
+                <asvg:svgBlip xmlns:asvg="http://schemas.microsoft.com/office/drawing/2016/SVG/main" r:embed="rId5"/>
               </a:ext>
             </a:extLst>
           </a:blip>
@@ -14065,13 +14225,13 @@
           <p:nvPr/>
         </p:nvPicPr>
         <p:blipFill>
-          <a:blip r:embed="rId7" cstate="print">
+          <a:blip r:embed="rId6" cstate="print">
             <a:extLst>
               <a:ext uri="{28A0092B-C50C-407E-A947-70E740481C1C}">
                 <a14:useLocalDpi xmlns:a14="http://schemas.microsoft.com/office/drawing/2010/main" val="0"/>
               </a:ext>
               <a:ext uri="{96DAC541-7B7A-43D3-8B79-37D633B846F1}">
-                <asvg:svgBlip xmlns:asvg="http://schemas.microsoft.com/office/drawing/2016/SVG/main" r:embed="rId8"/>
+                <asvg:svgBlip xmlns:asvg="http://schemas.microsoft.com/office/drawing/2016/SVG/main" r:embed="rId7"/>
               </a:ext>
             </a:extLst>
           </a:blip>
@@ -14104,13 +14264,13 @@
           <p:nvPr/>
         </p:nvPicPr>
         <p:blipFill>
-          <a:blip r:embed="rId9" cstate="print">
+          <a:blip r:embed="rId8" cstate="print">
             <a:extLst>
               <a:ext uri="{28A0092B-C50C-407E-A947-70E740481C1C}">
                 <a14:useLocalDpi xmlns:a14="http://schemas.microsoft.com/office/drawing/2010/main" val="0"/>
               </a:ext>
               <a:ext uri="{96DAC541-7B7A-43D3-8B79-37D633B846F1}">
-                <asvg:svgBlip xmlns:asvg="http://schemas.microsoft.com/office/drawing/2016/SVG/main" r:embed="rId10"/>
+                <asvg:svgBlip xmlns:asvg="http://schemas.microsoft.com/office/drawing/2016/SVG/main" r:embed="rId9"/>
               </a:ext>
             </a:extLst>
           </a:blip>
@@ -14126,6 +14286,68 @@
           <a:prstGeom prst="rect">
             <a:avLst/>
           </a:prstGeom>
+        </p:spPr>
+      </p:pic>
+      <p:pic>
+        <p:nvPicPr>
+          <p:cNvPr id="17" name="Picture 2">
+            <a:extLst>
+              <a:ext uri="{FF2B5EF4-FFF2-40B4-BE49-F238E27FC236}">
+                <a16:creationId xmlns:a16="http://schemas.microsoft.com/office/drawing/2014/main" id="{9F38E7E5-4E7F-C94B-BABC-671BBC91F2CE}"/>
+              </a:ext>
+            </a:extLst>
+          </p:cNvPr>
+          <p:cNvPicPr>
+            <a:picLocks noChangeAspect="1" noChangeArrowheads="1"/>
+          </p:cNvPicPr>
+          <p:nvPr/>
+        </p:nvPicPr>
+        <p:blipFill>
+          <a:blip r:embed="rId10">
+            <a:extLst>
+              <a:ext uri="{28A0092B-C50C-407E-A947-70E740481C1C}">
+                <a14:useLocalDpi xmlns:a14="http://schemas.microsoft.com/office/drawing/2010/main" val="0"/>
+              </a:ext>
+            </a:extLst>
+          </a:blip>
+          <a:srcRect/>
+          <a:stretch>
+            <a:fillRect/>
+          </a:stretch>
+        </p:blipFill>
+        <p:spPr bwMode="auto">
+          <a:xfrm>
+            <a:off x="5585819" y="1391639"/>
+            <a:ext cx="6096001" cy="4064001"/>
+          </a:xfrm>
+          <a:prstGeom prst="rect">
+            <a:avLst/>
+          </a:prstGeom>
+          <a:noFill/>
+          <a:ln>
+            <a:solidFill>
+              <a:schemeClr val="tx1">
+                <a:lumMod val="50000"/>
+                <a:lumOff val="50000"/>
+              </a:schemeClr>
+            </a:solidFill>
+          </a:ln>
+          <a:effectLst>
+            <a:outerShdw blurRad="50800" dist="38100" dir="2700000" algn="tl" rotWithShape="0">
+              <a:prstClr val="black">
+                <a:alpha val="40000"/>
+              </a:prstClr>
+            </a:outerShdw>
+          </a:effectLst>
+          <a:extLst>
+            <a:ext uri="{909E8E84-426E-40DD-AFC4-6F175D3DCCD1}">
+              <a14:hiddenFill xmlns:a14="http://schemas.microsoft.com/office/drawing/2010/main">
+                <a:solidFill>
+                  <a:srgbClr val="FFFFFF"/>
+                </a:solidFill>
+              </a14:hiddenFill>
+            </a:ext>
+          </a:extLst>
         </p:spPr>
       </p:pic>
     </p:spTree>
@@ -15141,7 +15363,7 @@
         <p:spPr>
           <a:xfrm>
             <a:off x="913793" y="3641533"/>
-            <a:ext cx="10353763" cy="2213372"/>
+            <a:ext cx="10353763" cy="2621994"/>
           </a:xfrm>
           <a:prstGeom prst="roundRect">
             <a:avLst/>
@@ -15211,7 +15433,7 @@
                   </a:schemeClr>
                 </a:solidFill>
               </a:rPr>
-              <a:t>Applying our own clustering algorithms will either give us a different set of clusters (rather than the 5 pre-ordained categories) OR will not provide clearly defined clusters, leading us to believe that the bikes are actually created on a spectrum and cannot be grouped into one of the 5 pre-ordained categories.</a:t>
+              <a:t>Applying our own clustering algorithms will either give us a different set number of clusters (rather than the 5 pre-ordained categories) OR will not provide clearly defined clusters, leading us to believe that the bikes are actually created on a spectrum and cannot be grouped into one of the 5 pre-ordained categories.</a:t>
             </a:r>
           </a:p>
         </p:txBody>
@@ -16096,7 +16318,7 @@
             </a:pPr>
             <a:r>
               <a:rPr lang="en-US" dirty="0"/>
-              <a:t>Standard scaled data so that each variable is mean centered with standard deviation = 1.</a:t>
+              <a:t>Standard scaled data so that each variable is mean centered with standard deviation = 1</a:t>
             </a:r>
           </a:p>
           <a:p>
@@ -19539,7 +19761,7 @@
                 <a:cs typeface="Goudy Old Style"/>
                 <a:sym typeface="Goudy Old Style"/>
               </a:rPr>
-              <a:t>Enduro</a:t>
+              <a:t>XC</a:t>
             </a:r>
           </a:p>
         </p:txBody>
@@ -19632,7 +19854,7 @@
                 <a:cs typeface="Goudy Old Style"/>
                 <a:sym typeface="Goudy Old Style"/>
               </a:rPr>
-              <a:t>XC</a:t>
+              <a:t>Trail</a:t>
             </a:r>
           </a:p>
         </p:txBody>
@@ -19711,7 +19933,7 @@
               <a:tabLst/>
             </a:pPr>
             <a:r>
-              <a:rPr kumimoji="0" lang="en-US" sz="1400" b="0" i="0" u="none" strike="noStrike" cap="none" spc="0" normalizeH="0" baseline="0" dirty="0">
+              <a:rPr kumimoji="0" lang="en-US" sz="1400" b="0" i="0" u="none" strike="noStrike" cap="none" spc="0" normalizeH="0" baseline="0" dirty="0" err="1">
                 <a:ln>
                   <a:noFill/>
                 </a:ln>
@@ -19725,8 +19947,22 @@
                 <a:cs typeface="Goudy Old Style"/>
                 <a:sym typeface="Goudy Old Style"/>
               </a:rPr>
-              <a:t>All-Mountain</a:t>
+              <a:t>Enduro</a:t>
             </a:r>
+            <a:endParaRPr kumimoji="0" lang="en-US" sz="1400" b="0" i="0" u="none" strike="noStrike" cap="none" spc="0" normalizeH="0" baseline="0" dirty="0">
+              <a:ln>
+                <a:noFill/>
+              </a:ln>
+              <a:solidFill>
+                <a:schemeClr val="tx1"/>
+              </a:solidFill>
+              <a:effectLst/>
+              <a:uFillTx/>
+              <a:latin typeface="Goudy Old Style"/>
+              <a:ea typeface="Goudy Old Style"/>
+              <a:cs typeface="Goudy Old Style"/>
+              <a:sym typeface="Goudy Old Style"/>
+            </a:endParaRPr>
           </a:p>
         </p:txBody>
       </p:sp>
@@ -21468,8 +21704,8 @@
         </p:nvSpPr>
         <p:spPr>
           <a:xfrm>
-            <a:off x="5329805" y="2474224"/>
-            <a:ext cx="5448489" cy="3439239"/>
+            <a:off x="5329805" y="1779311"/>
+            <a:ext cx="5448489" cy="4665107"/>
           </a:xfrm>
           <a:prstGeom prst="roundRect">
             <a:avLst/>
@@ -21528,9 +21764,7 @@
             </a:r>
           </a:p>
           <a:p>
-            <a:pPr marL="36901" indent="0">
-              <a:buNone/>
-            </a:pPr>
+            <a:pPr marL="36901"/>
             <a:r>
               <a:rPr lang="en-US" sz="2400" dirty="0">
                 <a:solidFill>
@@ -21539,7 +21773,27 @@
                   </a:schemeClr>
                 </a:solidFill>
               </a:rPr>
-              <a:t>After running a few different flavors of GMM in R, we were </a:t>
+              <a:t>After running a few different flavors of GMM in R and </a:t>
+            </a:r>
+            <a:r>
+              <a:rPr lang="en-US" sz="2400" b="1" dirty="0">
+                <a:solidFill>
+                  <a:schemeClr val="accent5">
+                    <a:lumMod val="75000"/>
+                  </a:schemeClr>
+                </a:solidFill>
+              </a:rPr>
+              <a:t>using the Bayesian Information Criterion (BIC) </a:t>
+            </a:r>
+            <a:r>
+              <a:rPr lang="en-US" sz="2400" dirty="0">
+                <a:solidFill>
+                  <a:schemeClr val="accent5">
+                    <a:lumMod val="75000"/>
+                  </a:schemeClr>
+                </a:solidFill>
+              </a:rPr>
+              <a:t>to optimize the number of clusters, we were </a:t>
             </a:r>
             <a:r>
               <a:rPr lang="en-US" sz="2400" b="1" dirty="0">
@@ -21640,7 +21894,9 @@
           </a:prstGeom>
         </p:spPr>
         <p:txBody>
-          <a:bodyPr/>
+          <a:bodyPr>
+            <a:normAutofit fontScale="92500" lnSpcReduction="10000"/>
+          </a:bodyPr>
           <a:lstStyle/>
           <a:p>
             <a:r>
@@ -21660,6 +21916,13 @@
             <a:r>
               <a:rPr dirty="0"/>
               <a:t>’ due to similarities in initial PCA plot.</a:t>
+            </a:r>
+            <a:endParaRPr lang="en-US" dirty="0"/>
+          </a:p>
+          <a:p>
+            <a:r>
+              <a:rPr lang="en-US" dirty="0"/>
+              <a:t>SVM, trained on 2 Principal Components and using Radial Basis Kernel Function, produced the following boundaries in the chart to the right.</a:t>
             </a:r>
           </a:p>
         </p:txBody>
@@ -22568,26 +22831,90 @@
           <a:bodyPr/>
           <a:lstStyle/>
           <a:p>
-            <a:endParaRPr/>
+            <a:endParaRPr dirty="0"/>
           </a:p>
           <a:p>
             <a:r>
-              <a:t>60% accuracy when treating down country as separate category</a:t>
+              <a:rPr dirty="0"/>
+              <a:t>60% accuracy when treating </a:t>
             </a:r>
-          </a:p>
-          <a:p>
             <a:r>
-              <a:t>77% accuracy when treating down country as XC</a:t>
+              <a:rPr lang="en-US" dirty="0" err="1"/>
+              <a:t>Downcountry</a:t>
             </a:r>
-          </a:p>
-          <a:p>
             <a:r>
-              <a:t>65% accuracy when treating downcountry as trail</a:t>
+              <a:rPr lang="en-US" dirty="0"/>
+              <a:t> </a:t>
             </a:r>
-          </a:p>
-          <a:p>
             <a:r>
-              <a:t>Suggests that downcountry bikes are more akin to XC than they are trail</a:t>
+              <a:rPr dirty="0"/>
+              <a:t>as separate category</a:t>
+            </a:r>
+          </a:p>
+          <a:p>
+            <a:r>
+              <a:rPr dirty="0"/>
+              <a:t>77% accuracy when treating </a:t>
+            </a:r>
+            <a:r>
+              <a:rPr lang="en-US" dirty="0" err="1"/>
+              <a:t>Downcountry</a:t>
+            </a:r>
+            <a:r>
+              <a:rPr lang="en-US" dirty="0"/>
+              <a:t> </a:t>
+            </a:r>
+            <a:r>
+              <a:rPr dirty="0"/>
+              <a:t>as XC</a:t>
+            </a:r>
+          </a:p>
+          <a:p>
+            <a:r>
+              <a:rPr dirty="0"/>
+              <a:t>65% accuracy when treating </a:t>
+            </a:r>
+            <a:r>
+              <a:rPr lang="en-US" dirty="0" err="1"/>
+              <a:t>D</a:t>
+            </a:r>
+            <a:r>
+              <a:rPr dirty="0" err="1"/>
+              <a:t>owncountry</a:t>
+            </a:r>
+            <a:r>
+              <a:rPr dirty="0"/>
+              <a:t> as </a:t>
+            </a:r>
+            <a:r>
+              <a:rPr lang="en-US" dirty="0"/>
+              <a:t>T</a:t>
+            </a:r>
+            <a:r>
+              <a:rPr dirty="0"/>
+              <a:t>rail</a:t>
+            </a:r>
+          </a:p>
+          <a:p>
+            <a:r>
+              <a:rPr dirty="0"/>
+              <a:t>Suggests that </a:t>
+            </a:r>
+            <a:r>
+              <a:rPr lang="en-US" dirty="0" err="1"/>
+              <a:t>Downcountry</a:t>
+            </a:r>
+            <a:r>
+              <a:rPr dirty="0"/>
+              <a:t> bikes are more akin to XC than they are </a:t>
+            </a:r>
+            <a:r>
+              <a:rPr lang="en-US" dirty="0"/>
+              <a:t>T</a:t>
+            </a:r>
+            <a:r>
+              <a:rPr dirty="0"/>
+              <a:t>rail</a:t>
             </a:r>
           </a:p>
         </p:txBody>
@@ -39454,4 +39781,299 @@
   </a:objectDefaults>
   <a:extraClrSchemeLst/>
 </a:theme>
+</file>
+
+<file path=ppt/theme/theme3.xml><?xml version="1.0" encoding="utf-8"?>
+<a:theme xmlns:a="http://schemas.openxmlformats.org/drawingml/2006/main" name="Office Theme">
+  <a:themeElements>
+    <a:clrScheme name="Office">
+      <a:dk1>
+        <a:sysClr val="windowText" lastClr="000000"/>
+      </a:dk1>
+      <a:lt1>
+        <a:sysClr val="window" lastClr="FFFFFF"/>
+      </a:lt1>
+      <a:dk2>
+        <a:srgbClr val="44546A"/>
+      </a:dk2>
+      <a:lt2>
+        <a:srgbClr val="E7E6E6"/>
+      </a:lt2>
+      <a:accent1>
+        <a:srgbClr val="4472C4"/>
+      </a:accent1>
+      <a:accent2>
+        <a:srgbClr val="ED7D31"/>
+      </a:accent2>
+      <a:accent3>
+        <a:srgbClr val="A5A5A5"/>
+      </a:accent3>
+      <a:accent4>
+        <a:srgbClr val="FFC000"/>
+      </a:accent4>
+      <a:accent5>
+        <a:srgbClr val="5B9BD5"/>
+      </a:accent5>
+      <a:accent6>
+        <a:srgbClr val="70AD47"/>
+      </a:accent6>
+      <a:hlink>
+        <a:srgbClr val="0563C1"/>
+      </a:hlink>
+      <a:folHlink>
+        <a:srgbClr val="954F72"/>
+      </a:folHlink>
+    </a:clrScheme>
+    <a:fontScheme name="Office">
+      <a:majorFont>
+        <a:latin typeface="Calibri Light" panose="020F0302020204030204"/>
+        <a:ea typeface=""/>
+        <a:cs typeface=""/>
+        <a:font script="Jpan" typeface="游ゴシック Light"/>
+        <a:font script="Hang" typeface="맑은 고딕"/>
+        <a:font script="Hans" typeface="等线 Light"/>
+        <a:font script="Hant" typeface="新細明體"/>
+        <a:font script="Arab" typeface="Times New Roman"/>
+        <a:font script="Hebr" typeface="Times New Roman"/>
+        <a:font script="Thai" typeface="Angsana New"/>
+        <a:font script="Ethi" typeface="Nyala"/>
+        <a:font script="Beng" typeface="Vrinda"/>
+        <a:font script="Gujr" typeface="Shruti"/>
+        <a:font script="Khmr" typeface="MoolBoran"/>
+        <a:font script="Knda" typeface="Tunga"/>
+        <a:font script="Guru" typeface="Raavi"/>
+        <a:font script="Cans" typeface="Euphemia"/>
+        <a:font script="Cher" typeface="Plantagenet Cherokee"/>
+        <a:font script="Yiii" typeface="Microsoft Yi Baiti"/>
+        <a:font script="Tibt" typeface="Microsoft Himalaya"/>
+        <a:font script="Thaa" typeface="MV Boli"/>
+        <a:font script="Deva" typeface="Mangal"/>
+        <a:font script="Telu" typeface="Gautami"/>
+        <a:font script="Taml" typeface="Latha"/>
+        <a:font script="Syrc" typeface="Estrangelo Edessa"/>
+        <a:font script="Orya" typeface="Kalinga"/>
+        <a:font script="Mlym" typeface="Kartika"/>
+        <a:font script="Laoo" typeface="DokChampa"/>
+        <a:font script="Sinh" typeface="Iskoola Pota"/>
+        <a:font script="Mong" typeface="Mongolian Baiti"/>
+        <a:font script="Viet" typeface="Times New Roman"/>
+        <a:font script="Uigh" typeface="Microsoft Uighur"/>
+        <a:font script="Geor" typeface="Sylfaen"/>
+        <a:font script="Armn" typeface="Arial"/>
+        <a:font script="Bugi" typeface="Leelawadee UI"/>
+        <a:font script="Bopo" typeface="Microsoft JhengHei"/>
+        <a:font script="Java" typeface="Javanese Text"/>
+        <a:font script="Lisu" typeface="Segoe UI"/>
+        <a:font script="Mymr" typeface="Myanmar Text"/>
+        <a:font script="Nkoo" typeface="Ebrima"/>
+        <a:font script="Olck" typeface="Nirmala UI"/>
+        <a:font script="Osma" typeface="Ebrima"/>
+        <a:font script="Phag" typeface="Phagspa"/>
+        <a:font script="Syrn" typeface="Estrangelo Edessa"/>
+        <a:font script="Syrj" typeface="Estrangelo Edessa"/>
+        <a:font script="Syre" typeface="Estrangelo Edessa"/>
+        <a:font script="Sora" typeface="Nirmala UI"/>
+        <a:font script="Tale" typeface="Microsoft Tai Le"/>
+        <a:font script="Talu" typeface="Microsoft New Tai Lue"/>
+        <a:font script="Tfng" typeface="Ebrima"/>
+      </a:majorFont>
+      <a:minorFont>
+        <a:latin typeface="Calibri" panose="020F0502020204030204"/>
+        <a:ea typeface=""/>
+        <a:cs typeface=""/>
+        <a:font script="Jpan" typeface="游ゴシック"/>
+        <a:font script="Hang" typeface="맑은 고딕"/>
+        <a:font script="Hans" typeface="等线"/>
+        <a:font script="Hant" typeface="新細明體"/>
+        <a:font script="Arab" typeface="Arial"/>
+        <a:font script="Hebr" typeface="Arial"/>
+        <a:font script="Thai" typeface="Cordia New"/>
+        <a:font script="Ethi" typeface="Nyala"/>
+        <a:font script="Beng" typeface="Vrinda"/>
+        <a:font script="Gujr" typeface="Shruti"/>
+        <a:font script="Khmr" typeface="DaunPenh"/>
+        <a:font script="Knda" typeface="Tunga"/>
+        <a:font script="Guru" typeface="Raavi"/>
+        <a:font script="Cans" typeface="Euphemia"/>
+        <a:font script="Cher" typeface="Plantagenet Cherokee"/>
+        <a:font script="Yiii" typeface="Microsoft Yi Baiti"/>
+        <a:font script="Tibt" typeface="Microsoft Himalaya"/>
+        <a:font script="Thaa" typeface="MV Boli"/>
+        <a:font script="Deva" typeface="Mangal"/>
+        <a:font script="Telu" typeface="Gautami"/>
+        <a:font script="Taml" typeface="Latha"/>
+        <a:font script="Syrc" typeface="Estrangelo Edessa"/>
+        <a:font script="Orya" typeface="Kalinga"/>
+        <a:font script="Mlym" typeface="Kartika"/>
+        <a:font script="Laoo" typeface="DokChampa"/>
+        <a:font script="Sinh" typeface="Iskoola Pota"/>
+        <a:font script="Mong" typeface="Mongolian Baiti"/>
+        <a:font script="Viet" typeface="Arial"/>
+        <a:font script="Uigh" typeface="Microsoft Uighur"/>
+        <a:font script="Geor" typeface="Sylfaen"/>
+        <a:font script="Armn" typeface="Arial"/>
+        <a:font script="Bugi" typeface="Leelawadee UI"/>
+        <a:font script="Bopo" typeface="Microsoft JhengHei"/>
+        <a:font script="Java" typeface="Javanese Text"/>
+        <a:font script="Lisu" typeface="Segoe UI"/>
+        <a:font script="Mymr" typeface="Myanmar Text"/>
+        <a:font script="Nkoo" typeface="Ebrima"/>
+        <a:font script="Olck" typeface="Nirmala UI"/>
+        <a:font script="Osma" typeface="Ebrima"/>
+        <a:font script="Phag" typeface="Phagspa"/>
+        <a:font script="Syrn" typeface="Estrangelo Edessa"/>
+        <a:font script="Syrj" typeface="Estrangelo Edessa"/>
+        <a:font script="Syre" typeface="Estrangelo Edessa"/>
+        <a:font script="Sora" typeface="Nirmala UI"/>
+        <a:font script="Tale" typeface="Microsoft Tai Le"/>
+        <a:font script="Talu" typeface="Microsoft New Tai Lue"/>
+        <a:font script="Tfng" typeface="Ebrima"/>
+      </a:minorFont>
+    </a:fontScheme>
+    <a:fmtScheme name="Office">
+      <a:fillStyleLst>
+        <a:solidFill>
+          <a:schemeClr val="phClr"/>
+        </a:solidFill>
+        <a:gradFill rotWithShape="1">
+          <a:gsLst>
+            <a:gs pos="0">
+              <a:schemeClr val="phClr">
+                <a:lumMod val="110000"/>
+                <a:satMod val="105000"/>
+                <a:tint val="67000"/>
+              </a:schemeClr>
+            </a:gs>
+            <a:gs pos="50000">
+              <a:schemeClr val="phClr">
+                <a:lumMod val="105000"/>
+                <a:satMod val="103000"/>
+                <a:tint val="73000"/>
+              </a:schemeClr>
+            </a:gs>
+            <a:gs pos="100000">
+              <a:schemeClr val="phClr">
+                <a:lumMod val="105000"/>
+                <a:satMod val="109000"/>
+                <a:tint val="81000"/>
+              </a:schemeClr>
+            </a:gs>
+          </a:gsLst>
+          <a:lin ang="5400000" scaled="0"/>
+        </a:gradFill>
+        <a:gradFill rotWithShape="1">
+          <a:gsLst>
+            <a:gs pos="0">
+              <a:schemeClr val="phClr">
+                <a:satMod val="103000"/>
+                <a:lumMod val="102000"/>
+                <a:tint val="94000"/>
+              </a:schemeClr>
+            </a:gs>
+            <a:gs pos="50000">
+              <a:schemeClr val="phClr">
+                <a:satMod val="110000"/>
+                <a:lumMod val="100000"/>
+                <a:shade val="100000"/>
+              </a:schemeClr>
+            </a:gs>
+            <a:gs pos="100000">
+              <a:schemeClr val="phClr">
+                <a:lumMod val="99000"/>
+                <a:satMod val="120000"/>
+                <a:shade val="78000"/>
+              </a:schemeClr>
+            </a:gs>
+          </a:gsLst>
+          <a:lin ang="5400000" scaled="0"/>
+        </a:gradFill>
+      </a:fillStyleLst>
+      <a:lnStyleLst>
+        <a:ln w="6350" cap="flat" cmpd="sng" algn="ctr">
+          <a:solidFill>
+            <a:schemeClr val="phClr"/>
+          </a:solidFill>
+          <a:prstDash val="solid"/>
+          <a:miter lim="800000"/>
+        </a:ln>
+        <a:ln w="12700" cap="flat" cmpd="sng" algn="ctr">
+          <a:solidFill>
+            <a:schemeClr val="phClr"/>
+          </a:solidFill>
+          <a:prstDash val="solid"/>
+          <a:miter lim="800000"/>
+        </a:ln>
+        <a:ln w="19050" cap="flat" cmpd="sng" algn="ctr">
+          <a:solidFill>
+            <a:schemeClr val="phClr"/>
+          </a:solidFill>
+          <a:prstDash val="solid"/>
+          <a:miter lim="800000"/>
+        </a:ln>
+      </a:lnStyleLst>
+      <a:effectStyleLst>
+        <a:effectStyle>
+          <a:effectLst/>
+        </a:effectStyle>
+        <a:effectStyle>
+          <a:effectLst/>
+        </a:effectStyle>
+        <a:effectStyle>
+          <a:effectLst>
+            <a:outerShdw blurRad="57150" dist="19050" dir="5400000" algn="ctr" rotWithShape="0">
+              <a:srgbClr val="000000">
+                <a:alpha val="63000"/>
+              </a:srgbClr>
+            </a:outerShdw>
+          </a:effectLst>
+        </a:effectStyle>
+      </a:effectStyleLst>
+      <a:bgFillStyleLst>
+        <a:solidFill>
+          <a:schemeClr val="phClr"/>
+        </a:solidFill>
+        <a:solidFill>
+          <a:schemeClr val="phClr">
+            <a:tint val="95000"/>
+            <a:satMod val="170000"/>
+          </a:schemeClr>
+        </a:solidFill>
+        <a:gradFill rotWithShape="1">
+          <a:gsLst>
+            <a:gs pos="0">
+              <a:schemeClr val="phClr">
+                <a:tint val="93000"/>
+                <a:satMod val="150000"/>
+                <a:shade val="98000"/>
+                <a:lumMod val="102000"/>
+              </a:schemeClr>
+            </a:gs>
+            <a:gs pos="50000">
+              <a:schemeClr val="phClr">
+                <a:tint val="98000"/>
+                <a:satMod val="130000"/>
+                <a:shade val="90000"/>
+                <a:lumMod val="103000"/>
+              </a:schemeClr>
+            </a:gs>
+            <a:gs pos="100000">
+              <a:schemeClr val="phClr">
+                <a:shade val="63000"/>
+                <a:satMod val="120000"/>
+              </a:schemeClr>
+            </a:gs>
+          </a:gsLst>
+          <a:lin ang="5400000" scaled="0"/>
+        </a:gradFill>
+      </a:bgFillStyleLst>
+    </a:fmtScheme>
+  </a:themeElements>
+  <a:objectDefaults/>
+  <a:extraClrSchemeLst/>
+  <a:extLst>
+    <a:ext uri="{05A4C25C-085E-4340-85A3-A5531E510DB2}">
+      <thm15:themeFamily xmlns:thm15="http://schemas.microsoft.com/office/thememl/2012/main" name="Office Theme" id="{62F939B6-93AF-4DB8-9C6B-D6C7DFDC589F}" vid="{4A3C46E8-61CC-4603-A589-7422A47A8E4A}"/>
+    </a:ext>
+  </a:extLst>
+</a:theme>
 </file>